--- a/Exports/Customer Sales.pptx
+++ b/Exports/Customer Sales.pptx
@@ -6,6 +6,9 @@
   </p:sldMasterIdLst>
   <p:sldIdLst>
     <p:sldId id="257" r:id="RelId0"/>
+    <p:sldId id="258" r:id="RelId1"/>
+    <p:sldId id="259" r:id="RelId2"/>
+    <p:sldId id="260" r:id="RelId3"/>
   </p:sldIdLst>
   <p:sldSz cx="12192000" cy="6858000"/>
   <p:notesSz cx="6858000" cy="9144000"/>
@@ -2952,7 +2955,7 @@
           <p:nvPr/>
         </p:nvPicPr>
         <p:blipFill>
-          <a:blip xmlns:r="http://schemas.openxmlformats.org/officeDocument/2006/relationships" xmlns:a="http://schemas.openxmlformats.org/drawingml/2006/main" r:embed="imgId12376852"/>
+          <a:blip xmlns:r="http://schemas.openxmlformats.org/officeDocument/2006/relationships" xmlns:a="http://schemas.openxmlformats.org/drawingml/2006/main" r:embed="imgId14340505"/>
           <a:stretch xmlns:a="http://schemas.openxmlformats.org/drawingml/2006/main">
             <a:fillRect/>
           </a:stretch>
@@ -2985,6 +2988,204 @@
           <a:p xmlns:a="http://schemas.openxmlformats.org/drawingml/2006/main">
             <a:r>
               <a:t>Home</a:t>
+            </a:r>
+          </a:p>
+        </p:txBody>
+      </p:sp>
+    </p:spTree>
+    <p:clrMapOvr>
+      <a:masterClrMapping xmlns:a="http://schemas.openxmlformats.org/drawingml/2006/main"/>
+    </p:clrMapOvr>
+  </p:cSld>
+</p:sld>
+</file>
+
+<file path=ppt/slides/slide3.xml><?xml version="1.0" encoding="utf-8"?>
+<p:sld xmlns:p="http://schemas.openxmlformats.org/presentationml/2006/main">
+  <p:cSld>
+    <p:spTree>
+      <p:nvGrpSpPr>
+        <p:cNvPr id="1" name=""/>
+        <p:cNvGrpSpPr/>
+        <p:nvPr/>
+      </p:nvGrpSpPr>
+      <p:grpSpPr/>
+      <p:pic>
+        <p:nvPicPr>
+          <p:cNvPr id="3" name="Picture" title="">
+            <a:hlinkClick xmlns:r="http://schemas.openxmlformats.org/officeDocument/2006/relationships" xmlns:a="http://schemas.openxmlformats.org/drawingml/2006/main" r:id="RelId1"/>
+          </p:cNvPr>
+          <p:cNvPicPr>
+            <a:picLocks xmlns:a="http://schemas.openxmlformats.org/drawingml/2006/main" noChangeAspect="1"/>
+          </p:cNvPicPr>
+          <p:nvPr/>
+        </p:nvPicPr>
+        <p:blipFill>
+          <a:blip xmlns:r="http://schemas.openxmlformats.org/officeDocument/2006/relationships" xmlns:a="http://schemas.openxmlformats.org/drawingml/2006/main" r:embed="imgId14340506"/>
+          <a:stretch xmlns:a="http://schemas.openxmlformats.org/drawingml/2006/main">
+            <a:fillRect/>
+          </a:stretch>
+        </p:blipFill>
+        <p:spPr>
+          <a:xfrm xmlns:a="http://schemas.openxmlformats.org/drawingml/2006/main">
+            <a:off x="76200" y="0"/>
+            <a:ext cx="12020550" cy="6858000"/>
+          </a:xfrm>
+          <a:prstGeom xmlns:a="http://schemas.openxmlformats.org/drawingml/2006/main" prst="rect">
+            <a:avLst/>
+          </a:prstGeom>
+          <a:noFill xmlns:a="http://schemas.openxmlformats.org/drawingml/2006/main"/>
+        </p:spPr>
+      </p:pic>
+      <p:sp>
+        <p:nvSpPr>
+          <p:cNvPr id="4" name="Title" hidden="1"/>
+          <p:cNvSpPr>
+            <a:spLocks xmlns:a="http://schemas.openxmlformats.org/drawingml/2006/main" noGrp="1"/>
+          </p:cNvSpPr>
+          <p:nvPr>
+            <p:ph type="title"/>
+          </p:nvPr>
+        </p:nvSpPr>
+        <p:spPr/>
+        <p:txBody>
+          <a:bodyPr xmlns:a="http://schemas.openxmlformats.org/drawingml/2006/main"/>
+          <a:lstStyle xmlns:a="http://schemas.openxmlformats.org/drawingml/2006/main"/>
+          <a:p xmlns:a="http://schemas.openxmlformats.org/drawingml/2006/main">
+            <a:r>
+              <a:t>Sales Breadown</a:t>
+            </a:r>
+          </a:p>
+        </p:txBody>
+      </p:sp>
+    </p:spTree>
+    <p:clrMapOvr>
+      <a:masterClrMapping xmlns:a="http://schemas.openxmlformats.org/drawingml/2006/main"/>
+    </p:clrMapOvr>
+  </p:cSld>
+</p:sld>
+</file>
+
+<file path=ppt/slides/slide4.xml><?xml version="1.0" encoding="utf-8"?>
+<p:sld xmlns:p="http://schemas.openxmlformats.org/presentationml/2006/main">
+  <p:cSld>
+    <p:spTree>
+      <p:nvGrpSpPr>
+        <p:cNvPr id="1" name=""/>
+        <p:cNvGrpSpPr/>
+        <p:nvPr/>
+      </p:nvGrpSpPr>
+      <p:grpSpPr/>
+      <p:pic>
+        <p:nvPicPr>
+          <p:cNvPr id="3" name="Picture" title="">
+            <a:hlinkClick xmlns:r="http://schemas.openxmlformats.org/officeDocument/2006/relationships" xmlns:a="http://schemas.openxmlformats.org/drawingml/2006/main" r:id="RelId2"/>
+          </p:cNvPr>
+          <p:cNvPicPr>
+            <a:picLocks xmlns:a="http://schemas.openxmlformats.org/drawingml/2006/main" noChangeAspect="1"/>
+          </p:cNvPicPr>
+          <p:nvPr/>
+        </p:nvPicPr>
+        <p:blipFill>
+          <a:blip xmlns:r="http://schemas.openxmlformats.org/officeDocument/2006/relationships" xmlns:a="http://schemas.openxmlformats.org/drawingml/2006/main" r:embed="imgId14340507"/>
+          <a:stretch xmlns:a="http://schemas.openxmlformats.org/drawingml/2006/main">
+            <a:fillRect/>
+          </a:stretch>
+        </p:blipFill>
+        <p:spPr>
+          <a:xfrm xmlns:a="http://schemas.openxmlformats.org/drawingml/2006/main">
+            <a:off x="76200" y="0"/>
+            <a:ext cx="12020550" cy="6858000"/>
+          </a:xfrm>
+          <a:prstGeom xmlns:a="http://schemas.openxmlformats.org/drawingml/2006/main" prst="rect">
+            <a:avLst/>
+          </a:prstGeom>
+          <a:noFill xmlns:a="http://schemas.openxmlformats.org/drawingml/2006/main"/>
+        </p:spPr>
+      </p:pic>
+      <p:sp>
+        <p:nvSpPr>
+          <p:cNvPr id="4" name="Title" hidden="1"/>
+          <p:cNvSpPr>
+            <a:spLocks xmlns:a="http://schemas.openxmlformats.org/drawingml/2006/main" noGrp="1"/>
+          </p:cNvSpPr>
+          <p:nvPr>
+            <p:ph type="title"/>
+          </p:nvPr>
+        </p:nvSpPr>
+        <p:spPr/>
+        <p:txBody>
+          <a:bodyPr xmlns:a="http://schemas.openxmlformats.org/drawingml/2006/main"/>
+          <a:lstStyle xmlns:a="http://schemas.openxmlformats.org/drawingml/2006/main"/>
+          <a:p xmlns:a="http://schemas.openxmlformats.org/drawingml/2006/main">
+            <a:r>
+              <a:t>Sales by City</a:t>
+            </a:r>
+          </a:p>
+        </p:txBody>
+      </p:sp>
+    </p:spTree>
+    <p:clrMapOvr>
+      <a:masterClrMapping xmlns:a="http://schemas.openxmlformats.org/drawingml/2006/main"/>
+    </p:clrMapOvr>
+  </p:cSld>
+</p:sld>
+</file>
+
+<file path=ppt/slides/slide5.xml><?xml version="1.0" encoding="utf-8"?>
+<p:sld xmlns:p="http://schemas.openxmlformats.org/presentationml/2006/main">
+  <p:cSld>
+    <p:spTree>
+      <p:nvGrpSpPr>
+        <p:cNvPr id="1" name=""/>
+        <p:cNvGrpSpPr/>
+        <p:nvPr/>
+      </p:nvGrpSpPr>
+      <p:grpSpPr/>
+      <p:pic>
+        <p:nvPicPr>
+          <p:cNvPr id="3" name="Picture" title="">
+            <a:hlinkClick xmlns:r="http://schemas.openxmlformats.org/officeDocument/2006/relationships" xmlns:a="http://schemas.openxmlformats.org/drawingml/2006/main" r:id="RelId3"/>
+          </p:cNvPr>
+          <p:cNvPicPr>
+            <a:picLocks xmlns:a="http://schemas.openxmlformats.org/drawingml/2006/main" noChangeAspect="1"/>
+          </p:cNvPicPr>
+          <p:nvPr/>
+        </p:nvPicPr>
+        <p:blipFill>
+          <a:blip xmlns:r="http://schemas.openxmlformats.org/officeDocument/2006/relationships" xmlns:a="http://schemas.openxmlformats.org/drawingml/2006/main" r:embed="imgId14340508"/>
+          <a:stretch xmlns:a="http://schemas.openxmlformats.org/drawingml/2006/main">
+            <a:fillRect/>
+          </a:stretch>
+        </p:blipFill>
+        <p:spPr>
+          <a:xfrm xmlns:a="http://schemas.openxmlformats.org/drawingml/2006/main">
+            <a:off x="76200" y="0"/>
+            <a:ext cx="12020550" cy="6858000"/>
+          </a:xfrm>
+          <a:prstGeom xmlns:a="http://schemas.openxmlformats.org/drawingml/2006/main" prst="rect">
+            <a:avLst/>
+          </a:prstGeom>
+          <a:noFill xmlns:a="http://schemas.openxmlformats.org/drawingml/2006/main"/>
+        </p:spPr>
+      </p:pic>
+      <p:sp>
+        <p:nvSpPr>
+          <p:cNvPr id="4" name="Title" hidden="1"/>
+          <p:cNvSpPr>
+            <a:spLocks xmlns:a="http://schemas.openxmlformats.org/drawingml/2006/main" noGrp="1"/>
+          </p:cNvSpPr>
+          <p:nvPr>
+            <p:ph type="title"/>
+          </p:nvPr>
+        </p:nvSpPr>
+        <p:spPr/>
+        <p:txBody>
+          <a:bodyPr xmlns:a="http://schemas.openxmlformats.org/drawingml/2006/main"/>
+          <a:lstStyle xmlns:a="http://schemas.openxmlformats.org/drawingml/2006/main"/>
+          <a:p xmlns:a="http://schemas.openxmlformats.org/drawingml/2006/main">
+            <a:r>
+              <a:t>Decomposition</a:t>
             </a:r>
           </a:p>
         </p:txBody>
